--- a/rbm_cf.pptx
+++ b/rbm_cf.pptx
@@ -14,6 +14,11 @@
     <p:sldId id="262" r:id="rId8"/>
     <p:sldId id="263" r:id="rId9"/>
     <p:sldId id="264" r:id="rId10"/>
+    <p:sldId id="265" r:id="rId11"/>
+    <p:sldId id="266" r:id="rId12"/>
+    <p:sldId id="267" r:id="rId13"/>
+    <p:sldId id="268" r:id="rId14"/>
+    <p:sldId id="269" r:id="rId15"/>
   </p:sldIdLst>
   <p:sldSz cx="12192000" cy="6858000"/>
   <p:notesSz cx="6858000" cy="9144000"/>
@@ -3037,6 +3042,749 @@
 </p:sld>
 </file>
 
+<file path=ppt/slides/slide10.xml><?xml version="1.0" encoding="utf-8"?>
+<p:sld xmlns:a="http://schemas.openxmlformats.org/drawingml/2006/main" xmlns:r="http://schemas.openxmlformats.org/officeDocument/2006/relationships" xmlns:p="http://schemas.openxmlformats.org/presentationml/2006/main">
+  <p:cSld>
+    <p:spTree>
+      <p:nvGrpSpPr>
+        <p:cNvPr id="1" name=""/>
+        <p:cNvGrpSpPr/>
+        <p:nvPr/>
+      </p:nvGrpSpPr>
+      <p:grpSpPr>
+        <a:xfrm>
+          <a:off x="0" y="0"/>
+          <a:ext cx="0" cy="0"/>
+          <a:chOff x="0" y="0"/>
+          <a:chExt cx="0" cy="0"/>
+        </a:xfrm>
+      </p:grpSpPr>
+      <p:sp>
+        <p:nvSpPr>
+          <p:cNvPr id="2" name="Title 1"/>
+          <p:cNvSpPr>
+            <a:spLocks noGrp="1"/>
+          </p:cNvSpPr>
+          <p:nvPr>
+            <p:ph type="title"/>
+          </p:nvPr>
+        </p:nvSpPr>
+        <p:spPr/>
+        <p:txBody>
+          <a:bodyPr/>
+          <a:lstStyle/>
+          <a:p>
+            <a:r>
+              <a:rPr lang="en-US" dirty="0" smtClean="0"/>
+              <a:t>Example</a:t>
+            </a:r>
+            <a:endParaRPr lang="en-US" dirty="0"/>
+          </a:p>
+        </p:txBody>
+      </p:sp>
+      <p:sp>
+        <p:nvSpPr>
+          <p:cNvPr id="3" name="Content Placeholder 2"/>
+          <p:cNvSpPr>
+            <a:spLocks noGrp="1"/>
+          </p:cNvSpPr>
+          <p:nvPr>
+            <p:ph idx="1"/>
+          </p:nvPr>
+        </p:nvSpPr>
+        <p:spPr/>
+        <p:txBody>
+          <a:bodyPr/>
+          <a:lstStyle/>
+          <a:p>
+            <a:r>
+              <a:rPr lang="en-US" dirty="0" smtClean="0"/>
+              <a:t>Given user vector [0,0,0,1,0,1,0,0,0,0,1,0,0,0,0]</a:t>
+            </a:r>
+          </a:p>
+          <a:p>
+            <a:r>
+              <a:rPr lang="en-US" dirty="0" smtClean="0"/>
+              <a:t>Add the movie that we want to predict: [0,0,0,1,0,</a:t>
+            </a:r>
+            <a:r>
+              <a:rPr lang="en-US" dirty="0" smtClean="0">
+                <a:solidFill>
+                  <a:srgbClr val="FF0000"/>
+                </a:solidFill>
+              </a:rPr>
+              <a:t>1,0,0,0,0</a:t>
+            </a:r>
+            <a:r>
+              <a:rPr lang="en-US" dirty="0" smtClean="0"/>
+              <a:t>,1,0,0,0,0,1,0,0,0,]. This would compute the probability that the red movie is rated 1. </a:t>
+            </a:r>
+          </a:p>
+          <a:p>
+            <a:r>
+              <a:rPr lang="en-US" dirty="0" smtClean="0"/>
+              <a:t>Now sample from the RBM; Let’s say that we get the following probabilities returned:</a:t>
+            </a:r>
+          </a:p>
+          <a:p>
+            <a:r>
+              <a:rPr lang="en-US" dirty="0"/>
+              <a:t>[</a:t>
+            </a:r>
+            <a:r>
+              <a:rPr lang="en-US" dirty="0" smtClean="0"/>
+              <a:t>0.22,0.13,0.12,0.4,0.13,</a:t>
+            </a:r>
+            <a:r>
+              <a:rPr lang="en-US" dirty="0" smtClean="0">
+                <a:solidFill>
+                  <a:srgbClr val="FF0000"/>
+                </a:solidFill>
+              </a:rPr>
+              <a:t>0.13,0.11,0.21,0.4,0.05</a:t>
+            </a:r>
+            <a:r>
+              <a:rPr lang="en-US" dirty="0" smtClean="0"/>
+              <a:t>,0.41,0.05,0.05,0.19,0.3,0.54,0.1,0.11,0.05,0.2].</a:t>
+            </a:r>
+          </a:p>
+          <a:p>
+            <a:r>
+              <a:rPr lang="en-US" dirty="0" smtClean="0"/>
+              <a:t>Therefore the probability that the rating=1 is 13% which is quite low</a:t>
+            </a:r>
+            <a:endParaRPr lang="en-US" dirty="0"/>
+          </a:p>
+        </p:txBody>
+      </p:sp>
+    </p:spTree>
+    <p:extLst>
+      <p:ext uri="{BB962C8B-B14F-4D97-AF65-F5344CB8AC3E}">
+        <p14:creationId xmlns:p14="http://schemas.microsoft.com/office/powerpoint/2010/main" val="1490286338"/>
+      </p:ext>
+    </p:extLst>
+  </p:cSld>
+  <p:clrMapOvr>
+    <a:masterClrMapping/>
+  </p:clrMapOvr>
+</p:sld>
+</file>
+
+<file path=ppt/slides/slide11.xml><?xml version="1.0" encoding="utf-8"?>
+<p:sld xmlns:a="http://schemas.openxmlformats.org/drawingml/2006/main" xmlns:r="http://schemas.openxmlformats.org/officeDocument/2006/relationships" xmlns:p="http://schemas.openxmlformats.org/presentationml/2006/main">
+  <p:cSld>
+    <p:spTree>
+      <p:nvGrpSpPr>
+        <p:cNvPr id="1" name=""/>
+        <p:cNvGrpSpPr/>
+        <p:nvPr/>
+      </p:nvGrpSpPr>
+      <p:grpSpPr>
+        <a:xfrm>
+          <a:off x="0" y="0"/>
+          <a:ext cx="0" cy="0"/>
+          <a:chOff x="0" y="0"/>
+          <a:chExt cx="0" cy="0"/>
+        </a:xfrm>
+      </p:grpSpPr>
+      <p:sp>
+        <p:nvSpPr>
+          <p:cNvPr id="2" name="Title 1"/>
+          <p:cNvSpPr>
+            <a:spLocks noGrp="1"/>
+          </p:cNvSpPr>
+          <p:nvPr>
+            <p:ph type="title"/>
+          </p:nvPr>
+        </p:nvSpPr>
+        <p:spPr/>
+        <p:txBody>
+          <a:bodyPr/>
+          <a:lstStyle/>
+          <a:p>
+            <a:r>
+              <a:rPr lang="en-US" dirty="0" smtClean="0"/>
+              <a:t>Example Continued</a:t>
+            </a:r>
+            <a:r>
+              <a:rPr lang="mr-IN" dirty="0" smtClean="0"/>
+              <a:t>…</a:t>
+            </a:r>
+            <a:r>
+              <a:rPr lang="en-US" dirty="0" smtClean="0"/>
+              <a:t>.</a:t>
+            </a:r>
+            <a:endParaRPr lang="en-US" dirty="0"/>
+          </a:p>
+        </p:txBody>
+      </p:sp>
+      <p:sp>
+        <p:nvSpPr>
+          <p:cNvPr id="3" name="Content Placeholder 2"/>
+          <p:cNvSpPr>
+            <a:spLocks noGrp="1"/>
+          </p:cNvSpPr>
+          <p:nvPr>
+            <p:ph idx="1"/>
+          </p:nvPr>
+        </p:nvSpPr>
+        <p:spPr/>
+        <p:txBody>
+          <a:bodyPr/>
+          <a:lstStyle/>
+          <a:p>
+            <a:r>
+              <a:rPr lang="en-US" dirty="0" smtClean="0"/>
+              <a:t>Put the 13% into a list to be used after: [0.13, </a:t>
+            </a:r>
+            <a:r>
+              <a:rPr lang="en-US" dirty="0" err="1" smtClean="0"/>
+              <a:t>tbd</a:t>
+            </a:r>
+            <a:r>
+              <a:rPr lang="en-US" dirty="0" smtClean="0"/>
+              <a:t>, </a:t>
+            </a:r>
+            <a:r>
+              <a:rPr lang="en-US" dirty="0" err="1" smtClean="0"/>
+              <a:t>tbd</a:t>
+            </a:r>
+            <a:r>
+              <a:rPr lang="en-US" dirty="0" smtClean="0"/>
+              <a:t>, </a:t>
+            </a:r>
+            <a:r>
+              <a:rPr lang="en-US" dirty="0" err="1" smtClean="0"/>
+              <a:t>tbd,tbd</a:t>
+            </a:r>
+            <a:r>
+              <a:rPr lang="en-US" dirty="0" smtClean="0"/>
+              <a:t>]</a:t>
+            </a:r>
+          </a:p>
+          <a:p>
+            <a:r>
+              <a:rPr lang="en-US" dirty="0" smtClean="0"/>
+              <a:t>Do the same process to all other ratings </a:t>
+            </a:r>
+          </a:p>
+          <a:p>
+            <a:r>
+              <a:rPr lang="en-US" dirty="0" smtClean="0"/>
+              <a:t>In the end we will have something like this: [0.13, 0.8, 0.5, 0.2,0.1]</a:t>
+            </a:r>
+          </a:p>
+          <a:p>
+            <a:r>
+              <a:rPr lang="en-US" dirty="0" smtClean="0"/>
+              <a:t>Apply soft-max to this list: [</a:t>
+            </a:r>
+            <a:r>
+              <a:rPr lang="is-IS" dirty="0"/>
+              <a:t>0.15516083, 0.30322108, 0.2246317 , 0.16641126, 0.15057513</a:t>
+            </a:r>
+            <a:r>
+              <a:rPr lang="en-US" dirty="0" smtClean="0"/>
+              <a:t>]</a:t>
+            </a:r>
+          </a:p>
+          <a:p>
+            <a:r>
+              <a:rPr lang="en-US" dirty="0" smtClean="0"/>
+              <a:t>Get the expected value:</a:t>
+            </a:r>
+          </a:p>
+          <a:p>
+            <a:r>
+              <a:rPr lang="en-US" dirty="0" smtClean="0"/>
+              <a:t>0.15 * 1 + 0.3 * 2 + 0.22 * 3 + 0.17*4 + 0.15*5 = 2.84</a:t>
+            </a:r>
+          </a:p>
+          <a:p>
+            <a:endParaRPr lang="en-US" dirty="0"/>
+          </a:p>
+        </p:txBody>
+      </p:sp>
+    </p:spTree>
+    <p:extLst>
+      <p:ext uri="{BB962C8B-B14F-4D97-AF65-F5344CB8AC3E}">
+        <p14:creationId xmlns:p14="http://schemas.microsoft.com/office/powerpoint/2010/main" val="1884242466"/>
+      </p:ext>
+    </p:extLst>
+  </p:cSld>
+  <p:clrMapOvr>
+    <a:masterClrMapping/>
+  </p:clrMapOvr>
+</p:sld>
+</file>
+
+<file path=ppt/slides/slide12.xml><?xml version="1.0" encoding="utf-8"?>
+<p:sld xmlns:a="http://schemas.openxmlformats.org/drawingml/2006/main" xmlns:r="http://schemas.openxmlformats.org/officeDocument/2006/relationships" xmlns:p="http://schemas.openxmlformats.org/presentationml/2006/main">
+  <p:cSld>
+    <p:spTree>
+      <p:nvGrpSpPr>
+        <p:cNvPr id="1" name=""/>
+        <p:cNvGrpSpPr/>
+        <p:nvPr/>
+      </p:nvGrpSpPr>
+      <p:grpSpPr>
+        <a:xfrm>
+          <a:off x="0" y="0"/>
+          <a:ext cx="0" cy="0"/>
+          <a:chOff x="0" y="0"/>
+          <a:chExt cx="0" cy="0"/>
+        </a:xfrm>
+      </p:grpSpPr>
+      <p:sp>
+        <p:nvSpPr>
+          <p:cNvPr id="2" name="Title 1"/>
+          <p:cNvSpPr>
+            <a:spLocks noGrp="1"/>
+          </p:cNvSpPr>
+          <p:nvPr>
+            <p:ph type="title"/>
+          </p:nvPr>
+        </p:nvSpPr>
+        <p:spPr/>
+        <p:txBody>
+          <a:bodyPr/>
+          <a:lstStyle/>
+          <a:p>
+            <a:r>
+              <a:rPr lang="en-US" dirty="0" smtClean="0"/>
+              <a:t>Running the program</a:t>
+            </a:r>
+            <a:endParaRPr lang="en-US" dirty="0"/>
+          </a:p>
+        </p:txBody>
+      </p:sp>
+      <p:sp>
+        <p:nvSpPr>
+          <p:cNvPr id="3" name="Content Placeholder 2"/>
+          <p:cNvSpPr>
+            <a:spLocks noGrp="1"/>
+          </p:cNvSpPr>
+          <p:nvPr>
+            <p:ph idx="1"/>
+          </p:nvPr>
+        </p:nvSpPr>
+        <p:spPr/>
+        <p:txBody>
+          <a:bodyPr/>
+          <a:lstStyle/>
+          <a:p>
+            <a:r>
+              <a:rPr lang="en-US" dirty="0" smtClean="0"/>
+              <a:t>The program is run from the </a:t>
+            </a:r>
+            <a:r>
+              <a:rPr lang="en-US" dirty="0" err="1" smtClean="0"/>
+              <a:t>Recommender.py</a:t>
+            </a:r>
+            <a:r>
+              <a:rPr lang="en-US" dirty="0" smtClean="0"/>
+              <a:t> class</a:t>
+            </a:r>
+          </a:p>
+          <a:p>
+            <a:r>
+              <a:rPr lang="en-US" dirty="0" smtClean="0"/>
+              <a:t>To train:</a:t>
+            </a:r>
+          </a:p>
+          <a:p>
+            <a:r>
+              <a:rPr lang="en-US" dirty="0">
+                <a:latin typeface="Andale Mono" charset="0"/>
+                <a:ea typeface="Andale Mono" charset="0"/>
+                <a:cs typeface="Andale Mono" charset="0"/>
+              </a:rPr>
+              <a:t>if __name__ == "__main__":	</a:t>
+            </a:r>
+            <a:endParaRPr lang="en-US" dirty="0" smtClean="0">
+              <a:latin typeface="Andale Mono" charset="0"/>
+              <a:ea typeface="Andale Mono" charset="0"/>
+              <a:cs typeface="Andale Mono" charset="0"/>
+            </a:endParaRPr>
+          </a:p>
+          <a:p>
+            <a:pPr lvl="1"/>
+            <a:r>
+              <a:rPr lang="en-US" dirty="0" smtClean="0">
+                <a:latin typeface="Andale Mono" charset="0"/>
+                <a:ea typeface="Andale Mono" charset="0"/>
+                <a:cs typeface="Andale Mono" charset="0"/>
+              </a:rPr>
+              <a:t>recommender </a:t>
+            </a:r>
+            <a:r>
+              <a:rPr lang="en-US" dirty="0">
+                <a:latin typeface="Andale Mono" charset="0"/>
+                <a:ea typeface="Andale Mono" charset="0"/>
+                <a:cs typeface="Andale Mono" charset="0"/>
+              </a:rPr>
+              <a:t>= </a:t>
+            </a:r>
+            <a:r>
+              <a:rPr lang="en-US" dirty="0" smtClean="0">
+                <a:latin typeface="Andale Mono" charset="0"/>
+                <a:ea typeface="Andale Mono" charset="0"/>
+                <a:cs typeface="Andale Mono" charset="0"/>
+              </a:rPr>
+              <a:t>Recommender()</a:t>
+            </a:r>
+            <a:endParaRPr lang="en-US" dirty="0">
+              <a:latin typeface="Andale Mono" charset="0"/>
+              <a:ea typeface="Andale Mono" charset="0"/>
+              <a:cs typeface="Andale Mono" charset="0"/>
+            </a:endParaRPr>
+          </a:p>
+          <a:p>
+            <a:r>
+              <a:rPr lang="en-US" dirty="0" smtClean="0">
+                <a:ea typeface="Andale Mono" charset="0"/>
+                <a:cs typeface="Andale Mono" charset="0"/>
+              </a:rPr>
+              <a:t>Training can take a </a:t>
+            </a:r>
+            <a:r>
+              <a:rPr lang="en-US" i="1" dirty="0" smtClean="0">
+                <a:ea typeface="Andale Mono" charset="0"/>
+                <a:cs typeface="Andale Mono" charset="0"/>
+              </a:rPr>
+              <a:t>VERY </a:t>
+            </a:r>
+            <a:r>
+              <a:rPr lang="en-US" dirty="0" smtClean="0">
+                <a:ea typeface="Andale Mono" charset="0"/>
+                <a:cs typeface="Andale Mono" charset="0"/>
+              </a:rPr>
+              <a:t>long time so it is not recommended to do this unless you have several hours at your disposal.</a:t>
+            </a:r>
+          </a:p>
+          <a:p>
+            <a:r>
+              <a:rPr lang="en-US" dirty="0" smtClean="0">
+                <a:ea typeface="Andale Mono" charset="0"/>
+                <a:cs typeface="Andale Mono" charset="0"/>
+              </a:rPr>
+              <a:t>However all the weights and biases of a full training session are saved under the </a:t>
+            </a:r>
+            <a:r>
+              <a:rPr lang="en-US" b="1" dirty="0" smtClean="0">
+                <a:ea typeface="Andale Mono" charset="0"/>
+                <a:cs typeface="Andale Mono" charset="0"/>
+              </a:rPr>
+              <a:t>data </a:t>
+            </a:r>
+            <a:r>
+              <a:rPr lang="en-US" dirty="0" smtClean="0">
+                <a:ea typeface="Andale Mono" charset="0"/>
+                <a:cs typeface="Andale Mono" charset="0"/>
+              </a:rPr>
+              <a:t>subdirectory so that they can be loaded to provide </a:t>
+            </a:r>
+            <a:r>
+              <a:rPr lang="en-US" dirty="0" err="1" smtClean="0">
+                <a:ea typeface="Andale Mono" charset="0"/>
+                <a:cs typeface="Andale Mono" charset="0"/>
+              </a:rPr>
+              <a:t>recommendationss</a:t>
+            </a:r>
+            <a:endParaRPr lang="en-US" dirty="0" smtClean="0">
+              <a:ea typeface="Andale Mono" charset="0"/>
+              <a:cs typeface="Andale Mono" charset="0"/>
+            </a:endParaRPr>
+          </a:p>
+        </p:txBody>
+      </p:sp>
+    </p:spTree>
+    <p:extLst>
+      <p:ext uri="{BB962C8B-B14F-4D97-AF65-F5344CB8AC3E}">
+        <p14:creationId xmlns:p14="http://schemas.microsoft.com/office/powerpoint/2010/main" val="1124084645"/>
+      </p:ext>
+    </p:extLst>
+  </p:cSld>
+  <p:clrMapOvr>
+    <a:masterClrMapping/>
+  </p:clrMapOvr>
+</p:sld>
+</file>
+
+<file path=ppt/slides/slide13.xml><?xml version="1.0" encoding="utf-8"?>
+<p:sld xmlns:a="http://schemas.openxmlformats.org/drawingml/2006/main" xmlns:r="http://schemas.openxmlformats.org/officeDocument/2006/relationships" xmlns:p="http://schemas.openxmlformats.org/presentationml/2006/main">
+  <p:cSld>
+    <p:spTree>
+      <p:nvGrpSpPr>
+        <p:cNvPr id="1" name=""/>
+        <p:cNvGrpSpPr/>
+        <p:nvPr/>
+      </p:nvGrpSpPr>
+      <p:grpSpPr>
+        <a:xfrm>
+          <a:off x="0" y="0"/>
+          <a:ext cx="0" cy="0"/>
+          <a:chOff x="0" y="0"/>
+          <a:chExt cx="0" cy="0"/>
+        </a:xfrm>
+      </p:grpSpPr>
+      <p:sp>
+        <p:nvSpPr>
+          <p:cNvPr id="2" name="Title 1"/>
+          <p:cNvSpPr>
+            <a:spLocks noGrp="1"/>
+          </p:cNvSpPr>
+          <p:nvPr>
+            <p:ph type="title"/>
+          </p:nvPr>
+        </p:nvSpPr>
+        <p:spPr/>
+        <p:txBody>
+          <a:bodyPr/>
+          <a:lstStyle/>
+          <a:p>
+            <a:r>
+              <a:rPr lang="en-US" dirty="0" smtClean="0"/>
+              <a:t>Recommendations </a:t>
+            </a:r>
+            <a:endParaRPr lang="en-US" dirty="0"/>
+          </a:p>
+        </p:txBody>
+      </p:sp>
+      <p:sp>
+        <p:nvSpPr>
+          <p:cNvPr id="3" name="Content Placeholder 2"/>
+          <p:cNvSpPr>
+            <a:spLocks noGrp="1"/>
+          </p:cNvSpPr>
+          <p:nvPr>
+            <p:ph idx="1"/>
+          </p:nvPr>
+        </p:nvSpPr>
+        <p:spPr/>
+        <p:txBody>
+          <a:bodyPr/>
+          <a:lstStyle/>
+          <a:p>
+            <a:r>
+              <a:rPr lang="en-US" dirty="0" smtClean="0"/>
+              <a:t>In the Recommender class:</a:t>
+            </a:r>
+          </a:p>
+          <a:p>
+            <a:r>
+              <a:rPr lang="en-US" dirty="0">
+                <a:latin typeface="Andale Mono" charset="0"/>
+                <a:ea typeface="Andale Mono" charset="0"/>
+                <a:cs typeface="Andale Mono" charset="0"/>
+              </a:rPr>
+              <a:t>if __name__ == "__main__":	</a:t>
+            </a:r>
+            <a:endParaRPr lang="en-US" dirty="0" smtClean="0">
+              <a:latin typeface="Andale Mono" charset="0"/>
+              <a:ea typeface="Andale Mono" charset="0"/>
+              <a:cs typeface="Andale Mono" charset="0"/>
+            </a:endParaRPr>
+          </a:p>
+          <a:p>
+            <a:pPr lvl="1"/>
+            <a:r>
+              <a:rPr lang="en-US" dirty="0" smtClean="0">
+                <a:latin typeface="Andale Mono" charset="0"/>
+                <a:ea typeface="Andale Mono" charset="0"/>
+                <a:cs typeface="Andale Mono" charset="0"/>
+              </a:rPr>
+              <a:t>recommender </a:t>
+            </a:r>
+            <a:r>
+              <a:rPr lang="en-US" dirty="0">
+                <a:latin typeface="Andale Mono" charset="0"/>
+                <a:ea typeface="Andale Mono" charset="0"/>
+                <a:cs typeface="Andale Mono" charset="0"/>
+              </a:rPr>
+              <a:t>= Recommender</a:t>
+            </a:r>
+            <a:r>
+              <a:rPr lang="en-US" dirty="0" smtClean="0">
+                <a:latin typeface="Andale Mono" charset="0"/>
+                <a:ea typeface="Andale Mono" charset="0"/>
+                <a:cs typeface="Andale Mono" charset="0"/>
+              </a:rPr>
+              <a:t>()</a:t>
+            </a:r>
+          </a:p>
+          <a:p>
+            <a:pPr lvl="1"/>
+            <a:r>
+              <a:rPr lang="en-US" dirty="0" err="1" smtClean="0">
+                <a:latin typeface="Andale Mono" charset="0"/>
+                <a:ea typeface="Andale Mono" charset="0"/>
+                <a:cs typeface="Andale Mono" charset="0"/>
+              </a:rPr>
+              <a:t>recommender.recommend</a:t>
+            </a:r>
+            <a:r>
+              <a:rPr lang="en-US" dirty="0" smtClean="0">
+                <a:latin typeface="Andale Mono" charset="0"/>
+                <a:ea typeface="Andale Mono" charset="0"/>
+                <a:cs typeface="Andale Mono" charset="0"/>
+              </a:rPr>
+              <a:t>(40</a:t>
+            </a:r>
+            <a:r>
+              <a:rPr lang="en-US" dirty="0">
+                <a:latin typeface="Andale Mono" charset="0"/>
+                <a:ea typeface="Andale Mono" charset="0"/>
+                <a:cs typeface="Andale Mono" charset="0"/>
+              </a:rPr>
+              <a:t>, 346</a:t>
+            </a:r>
+            <a:r>
+              <a:rPr lang="en-US" dirty="0" smtClean="0">
+                <a:latin typeface="Andale Mono" charset="0"/>
+                <a:ea typeface="Andale Mono" charset="0"/>
+                <a:cs typeface="Andale Mono" charset="0"/>
+              </a:rPr>
+              <a:t>)</a:t>
+            </a:r>
+          </a:p>
+          <a:p>
+            <a:r>
+              <a:rPr lang="en-US" dirty="0" smtClean="0"/>
+              <a:t>This will provide a prediction user 40, movie 346. </a:t>
+            </a:r>
+          </a:p>
+        </p:txBody>
+      </p:sp>
+    </p:spTree>
+    <p:extLst>
+      <p:ext uri="{BB962C8B-B14F-4D97-AF65-F5344CB8AC3E}">
+        <p14:creationId xmlns:p14="http://schemas.microsoft.com/office/powerpoint/2010/main" val="933635208"/>
+      </p:ext>
+    </p:extLst>
+  </p:cSld>
+  <p:clrMapOvr>
+    <a:masterClrMapping/>
+  </p:clrMapOvr>
+</p:sld>
+</file>
+
+<file path=ppt/slides/slide14.xml><?xml version="1.0" encoding="utf-8"?>
+<p:sld xmlns:a="http://schemas.openxmlformats.org/drawingml/2006/main" xmlns:r="http://schemas.openxmlformats.org/officeDocument/2006/relationships" xmlns:p="http://schemas.openxmlformats.org/presentationml/2006/main">
+  <p:cSld>
+    <p:spTree>
+      <p:nvGrpSpPr>
+        <p:cNvPr id="1" name=""/>
+        <p:cNvGrpSpPr/>
+        <p:nvPr/>
+      </p:nvGrpSpPr>
+      <p:grpSpPr>
+        <a:xfrm>
+          <a:off x="0" y="0"/>
+          <a:ext cx="0" cy="0"/>
+          <a:chOff x="0" y="0"/>
+          <a:chExt cx="0" cy="0"/>
+        </a:xfrm>
+      </p:grpSpPr>
+      <p:sp>
+        <p:nvSpPr>
+          <p:cNvPr id="2" name="Title 1"/>
+          <p:cNvSpPr>
+            <a:spLocks noGrp="1"/>
+          </p:cNvSpPr>
+          <p:nvPr>
+            <p:ph type="title"/>
+          </p:nvPr>
+        </p:nvSpPr>
+        <p:spPr/>
+        <p:txBody>
+          <a:bodyPr/>
+          <a:lstStyle/>
+          <a:p>
+            <a:r>
+              <a:rPr lang="en-US" dirty="0" smtClean="0"/>
+              <a:t>Issues with the RBM Recommender </a:t>
+            </a:r>
+            <a:endParaRPr lang="en-US" dirty="0"/>
+          </a:p>
+        </p:txBody>
+      </p:sp>
+      <p:sp>
+        <p:nvSpPr>
+          <p:cNvPr id="3" name="Content Placeholder 2"/>
+          <p:cNvSpPr>
+            <a:spLocks noGrp="1"/>
+          </p:cNvSpPr>
+          <p:nvPr>
+            <p:ph idx="1"/>
+          </p:nvPr>
+        </p:nvSpPr>
+        <p:spPr/>
+        <p:txBody>
+          <a:bodyPr/>
+          <a:lstStyle/>
+          <a:p>
+            <a:r>
+              <a:rPr lang="en-US" dirty="0" smtClean="0"/>
+              <a:t>Takes a very long time to train and is very computationally expensive. </a:t>
+            </a:r>
+            <a:endParaRPr lang="en-US" dirty="0"/>
+          </a:p>
+          <a:p>
+            <a:r>
+              <a:rPr lang="en-US" dirty="0"/>
+              <a:t>According to the </a:t>
+            </a:r>
+            <a:r>
+              <a:rPr lang="en-US" dirty="0" smtClean="0"/>
+              <a:t>paper by </a:t>
+            </a:r>
+            <a:r>
+              <a:rPr lang="en-US" dirty="0" err="1" smtClean="0"/>
+              <a:t>Salakhutdinov</a:t>
+            </a:r>
+            <a:r>
+              <a:rPr lang="en-US" dirty="0" smtClean="0"/>
+              <a:t> et al. provides 6% more accurate recommendations than standard SVD techniques. Is it worth it? </a:t>
+            </a:r>
+          </a:p>
+          <a:p>
+            <a:r>
+              <a:rPr lang="en-US" dirty="0" smtClean="0"/>
+              <a:t>What </a:t>
+            </a:r>
+            <a:r>
+              <a:rPr lang="en-US" dirty="0" err="1" smtClean="0"/>
+              <a:t>mighthappen</a:t>
+            </a:r>
+            <a:r>
+              <a:rPr lang="en-US" dirty="0" smtClean="0"/>
+              <a:t> if we add another RBM layer? Longer computation? How much </a:t>
+            </a:r>
+            <a:r>
+              <a:rPr lang="en-US" smtClean="0"/>
+              <a:t>more accuracy?</a:t>
+            </a:r>
+            <a:endParaRPr lang="en-US" dirty="0" smtClean="0"/>
+          </a:p>
+          <a:p>
+            <a:endParaRPr lang="en-US" dirty="0"/>
+          </a:p>
+        </p:txBody>
+      </p:sp>
+    </p:spTree>
+    <p:extLst>
+      <p:ext uri="{BB962C8B-B14F-4D97-AF65-F5344CB8AC3E}">
+        <p14:creationId xmlns:p14="http://schemas.microsoft.com/office/powerpoint/2010/main" val="6244450"/>
+      </p:ext>
+    </p:extLst>
+  </p:cSld>
+  <p:clrMapOvr>
+    <a:masterClrMapping/>
+  </p:clrMapOvr>
+</p:sld>
+</file>
+
 <file path=ppt/slides/slide2.xml><?xml version="1.0" encoding="utf-8"?>
 <p:sld xmlns:a="http://schemas.openxmlformats.org/drawingml/2006/main" xmlns:r="http://schemas.openxmlformats.org/officeDocument/2006/relationships" xmlns:p="http://schemas.openxmlformats.org/presentationml/2006/main">
   <p:cSld>
@@ -4031,13 +4779,14 @@
             </a:r>
             <a:r>
               <a:rPr lang="en-US" dirty="0" smtClean="0"/>
-              <a:t>to rating 1,2,3,4,5. For each of these ratings we sample from the RBM using the methods from slides 6 and 7. Then the probability for each rating are saved to an array, the soft-max function is applied then we get the expected value for </a:t>
-            </a:r>
-            <a:r>
-              <a:rPr lang="en-US" smtClean="0"/>
-              <a:t>that array. </a:t>
-            </a:r>
-            <a:endParaRPr lang="en-US" dirty="0" smtClean="0"/>
+              <a:t>to rating 1,2,3,4,5. For each of these ratings we create a new RBM and sample from it using the weights that we saved.</a:t>
+            </a:r>
+          </a:p>
+          <a:p>
+            <a:r>
+              <a:rPr lang="en-US" dirty="0" smtClean="0"/>
+              <a:t> For each of these ratings we sample from the RBM using the methods from slides 6 and 7. Then the probability for each rating is saved to an array, the soft-max function is applied then we get the expected value for that array. </a:t>
+            </a:r>
           </a:p>
         </p:txBody>
       </p:sp>

--- a/rbm_cf.pptx
+++ b/rbm_cf.pptx
@@ -3482,19 +3482,8 @@
                 <a:ea typeface="Andale Mono" charset="0"/>
                 <a:cs typeface="Andale Mono" charset="0"/>
               </a:rPr>
-              <a:t>subdirectory so that they can be loaded to provide </a:t>
-            </a:r>
-            <a:r>
-              <a:rPr lang="en-US" dirty="0" err="1" smtClean="0">
-                <a:ea typeface="Andale Mono" charset="0"/>
-                <a:cs typeface="Andale Mono" charset="0"/>
-              </a:rPr>
-              <a:t>recommendationss</a:t>
-            </a:r>
-            <a:endParaRPr lang="en-US" dirty="0" smtClean="0">
-              <a:ea typeface="Andale Mono" charset="0"/>
-              <a:cs typeface="Andale Mono" charset="0"/>
-            </a:endParaRPr>
+              <a:t>subdirectory so that they can be loaded to provide recommendations</a:t>
+            </a:r>
           </a:p>
         </p:txBody>
       </p:sp>
@@ -3759,13 +3748,8 @@
             </a:r>
             <a:r>
               <a:rPr lang="en-US" dirty="0" smtClean="0"/>
-              <a:t> if we add another RBM layer? Longer computation? How much </a:t>
-            </a:r>
-            <a:r>
-              <a:rPr lang="en-US" smtClean="0"/>
-              <a:t>more accuracy?</a:t>
-            </a:r>
-            <a:endParaRPr lang="en-US" dirty="0" smtClean="0"/>
+              <a:t> if we add another RBM layer? Longer computation? How much more accuracy?</a:t>
+            </a:r>
           </a:p>
           <a:p>
             <a:endParaRPr lang="en-US" dirty="0"/>
@@ -3895,7 +3879,11 @@
           <a:p>
             <a:r>
               <a:rPr lang="en-US" dirty="0" smtClean="0"/>
-              <a:t>This presentation assumes that the reader knows how RBMs work</a:t>
+              <a:t>This presentation assumes that the reader </a:t>
+            </a:r>
+            <a:r>
+              <a:rPr lang="en-US" smtClean="0"/>
+              <a:t>already understands RBMs</a:t>
             </a:r>
             <a:endParaRPr lang="en-US" dirty="0"/>
           </a:p>
